--- a/modul294 präsi.pptx
+++ b/modul294 präsi.pptx
@@ -15,8 +15,8 @@
     <p:sldId id="261" r:id="rId12"/>
     <p:sldId id="262" r:id="rId13"/>
     <p:sldId id="263" r:id="rId14"/>
-    <p:sldId id="265" r:id="rId15"/>
-    <p:sldId id="268" r:id="rId16"/>
+    <p:sldId id="268" r:id="rId15"/>
+    <p:sldId id="265" r:id="rId16"/>
     <p:sldId id="267" r:id="rId17"/>
   </p:sldIdLst>
   <p:sldSz cx="12192000" cy="6858000"/>
@@ -3577,42 +3577,34 @@
           </a:p>
           <a:p>
             <a:r>
-              <a:rPr lang="de-CH" dirty="0"/>
+              <a:rPr lang="de-CH" sz="3400" dirty="0"/>
               <a:t>API </a:t>
             </a:r>
             <a:r>
-              <a:rPr lang="de-CH" dirty="0" err="1"/>
+              <a:rPr lang="de-CH" sz="3400" dirty="0" err="1"/>
               <a:t>test</a:t>
             </a:r>
+            <a:endParaRPr lang="de-CH" sz="3400" dirty="0"/>
+          </a:p>
+          <a:p>
+            <a:endParaRPr lang="de-CH" sz="3400" dirty="0"/>
+          </a:p>
+          <a:p>
+            <a:endParaRPr lang="de-CH" sz="3400" dirty="0"/>
+          </a:p>
+          <a:p>
+            <a:r>
+              <a:rPr lang="de-CH" sz="3400" dirty="0"/>
+              <a:t>Website </a:t>
+            </a:r>
+            <a:r>
+              <a:rPr lang="de-CH" sz="3400" dirty="0" err="1"/>
+              <a:t>test</a:t>
+            </a:r>
+            <a:endParaRPr lang="de-CH" sz="3400" dirty="0"/>
+          </a:p>
+          <a:p>
             <a:endParaRPr lang="de-CH" dirty="0"/>
-          </a:p>
-          <a:p>
-            <a:endParaRPr lang="de-CH" dirty="0"/>
-          </a:p>
-          <a:p>
-            <a:r>
-              <a:rPr lang="de-CH" dirty="0"/>
-              <a:t>Website </a:t>
-            </a:r>
-            <a:r>
-              <a:rPr lang="de-CH" dirty="0" err="1"/>
-              <a:t>test</a:t>
-            </a:r>
-            <a:endParaRPr lang="de-CH" dirty="0"/>
-          </a:p>
-          <a:p>
-            <a:endParaRPr lang="de-CH" dirty="0"/>
-          </a:p>
-          <a:p>
-            <a:r>
-              <a:rPr lang="de-CH" dirty="0"/>
-              <a:t>Bootstrap design </a:t>
-            </a:r>
-            <a:r>
-              <a:rPr lang="de-CH" dirty="0" err="1"/>
-              <a:t>test</a:t>
-            </a:r>
-            <a:endParaRPr lang="LID4096" dirty="0"/>
           </a:p>
         </p:txBody>
       </p:sp>
@@ -3685,7 +3677,7 @@
           <p:cNvPr id="2" name="Title 1">
             <a:extLst>
               <a:ext uri="{FF2B5EF4-FFF2-40B4-BE49-F238E27FC236}">
-                <a16:creationId xmlns:a16="http://schemas.microsoft.com/office/drawing/2014/main" id="{5D32432F-7697-EF3E-C606-E8A138695F48}"/>
+                <a16:creationId xmlns:a16="http://schemas.microsoft.com/office/drawing/2014/main" id="{C5504025-8409-A186-001C-C46C40B3AE39}"/>
               </a:ext>
             </a:extLst>
           </p:cNvPr>
@@ -3703,66 +3695,45 @@
           <a:p>
             <a:r>
               <a:rPr lang="de-CH" dirty="0"/>
-              <a:t>Fazit</a:t>
+              <a:t>Live Demo</a:t>
             </a:r>
             <a:endParaRPr lang="LID4096" dirty="0"/>
           </a:p>
         </p:txBody>
       </p:sp>
-      <p:sp>
-        <p:nvSpPr>
-          <p:cNvPr id="3" name="Content Placeholder 2">
-            <a:extLst>
-              <a:ext uri="{FF2B5EF4-FFF2-40B4-BE49-F238E27FC236}">
-                <a16:creationId xmlns:a16="http://schemas.microsoft.com/office/drawing/2014/main" id="{AE2AB09D-8456-B634-6A7F-7042ED5F8E4A}"/>
-              </a:ext>
-            </a:extLst>
-          </p:cNvPr>
-          <p:cNvSpPr>
-            <a:spLocks noGrp="1"/>
-          </p:cNvSpPr>
+      <p:pic>
+        <p:nvPicPr>
+          <p:cNvPr id="5" name="Inhaltsplatzhalter 4">
+            <a:extLst>
+              <a:ext uri="{FF2B5EF4-FFF2-40B4-BE49-F238E27FC236}">
+                <a16:creationId xmlns:a16="http://schemas.microsoft.com/office/drawing/2014/main" id="{430359F2-697D-2202-630D-87DB5B86A51A}"/>
+              </a:ext>
+            </a:extLst>
+          </p:cNvPr>
+          <p:cNvPicPr>
+            <a:picLocks noGrp="1" noChangeAspect="1"/>
+          </p:cNvPicPr>
           <p:nvPr>
             <p:ph idx="1"/>
           </p:nvPr>
-        </p:nvSpPr>
-        <p:spPr/>
-        <p:txBody>
-          <a:bodyPr/>
-          <a:lstStyle/>
-          <a:p>
-            <a:endParaRPr lang="de-CH" dirty="0"/>
-          </a:p>
-          <a:p>
-            <a:r>
-              <a:rPr lang="de-CH" dirty="0"/>
-              <a:t>Herausforderungen</a:t>
-            </a:r>
-          </a:p>
-          <a:p>
-            <a:endParaRPr lang="de-CH" dirty="0"/>
-          </a:p>
-          <a:p>
-            <a:r>
-              <a:rPr lang="de-CH" dirty="0"/>
-              <a:t>Erfolge</a:t>
-            </a:r>
-          </a:p>
-          <a:p>
-            <a:endParaRPr lang="de-CH" dirty="0"/>
-          </a:p>
-          <a:p>
-            <a:r>
-              <a:rPr lang="de-CH" dirty="0"/>
-              <a:t>Lessons Learned</a:t>
-            </a:r>
-            <a:endParaRPr lang="LID4096" dirty="0"/>
-          </a:p>
-        </p:txBody>
-      </p:sp>
+        </p:nvPicPr>
+        <p:blipFill>
+          <a:blip r:embed="rId2"/>
+          <a:stretch>
+            <a:fillRect/>
+          </a:stretch>
+        </p:blipFill>
+        <p:spPr>
+          <a:xfrm>
+            <a:off x="838201" y="1690688"/>
+            <a:ext cx="10515600" cy="4450925"/>
+          </a:xfrm>
+        </p:spPr>
+      </p:pic>
     </p:spTree>
     <p:extLst>
       <p:ext uri="{BB962C8B-B14F-4D97-AF65-F5344CB8AC3E}">
-        <p14:creationId xmlns:p14="http://schemas.microsoft.com/office/powerpoint/2010/main" val="600384"/>
+        <p14:creationId xmlns:p14="http://schemas.microsoft.com/office/powerpoint/2010/main" val="2869427478"/>
       </p:ext>
     </p:extLst>
   </p:cSld>
@@ -3828,7 +3799,7 @@
           <p:cNvPr id="2" name="Title 1">
             <a:extLst>
               <a:ext uri="{FF2B5EF4-FFF2-40B4-BE49-F238E27FC236}">
-                <a16:creationId xmlns:a16="http://schemas.microsoft.com/office/drawing/2014/main" id="{C5504025-8409-A186-001C-C46C40B3AE39}"/>
+                <a16:creationId xmlns:a16="http://schemas.microsoft.com/office/drawing/2014/main" id="{5D32432F-7697-EF3E-C606-E8A138695F48}"/>
               </a:ext>
             </a:extLst>
           </p:cNvPr>
@@ -3846,7 +3817,7 @@
           <a:p>
             <a:r>
               <a:rPr lang="de-CH" dirty="0"/>
-              <a:t>Live Demo</a:t>
+              <a:t>Fazit</a:t>
             </a:r>
             <a:endParaRPr lang="LID4096" dirty="0"/>
           </a:p>
@@ -3857,7 +3828,7 @@
           <p:cNvPr id="3" name="Content Placeholder 2">
             <a:extLst>
               <a:ext uri="{FF2B5EF4-FFF2-40B4-BE49-F238E27FC236}">
-                <a16:creationId xmlns:a16="http://schemas.microsoft.com/office/drawing/2014/main" id="{60BB690B-D505-914D-52A5-B753226A0A8E}"/>
+                <a16:creationId xmlns:a16="http://schemas.microsoft.com/office/drawing/2014/main" id="{AE2AB09D-8456-B634-6A7F-7042ED5F8E4A}"/>
               </a:ext>
             </a:extLst>
           </p:cNvPr>
@@ -3873,14 +3844,39 @@
           <a:bodyPr/>
           <a:lstStyle/>
           <a:p>
-            <a:endParaRPr lang="LID4096"/>
+            <a:endParaRPr lang="de-CH" dirty="0"/>
+          </a:p>
+          <a:p>
+            <a:r>
+              <a:rPr lang="de-CH" dirty="0"/>
+              <a:t>Herausforderungen</a:t>
+            </a:r>
+          </a:p>
+          <a:p>
+            <a:endParaRPr lang="de-CH" dirty="0"/>
+          </a:p>
+          <a:p>
+            <a:r>
+              <a:rPr lang="de-CH" dirty="0"/>
+              <a:t>Erfolge</a:t>
+            </a:r>
+          </a:p>
+          <a:p>
+            <a:endParaRPr lang="de-CH" dirty="0"/>
+          </a:p>
+          <a:p>
+            <a:r>
+              <a:rPr lang="de-CH" dirty="0"/>
+              <a:t>Lessons Learned</a:t>
+            </a:r>
+            <a:endParaRPr lang="LID4096" dirty="0"/>
           </a:p>
         </p:txBody>
       </p:sp>
     </p:spTree>
     <p:extLst>
       <p:ext uri="{BB962C8B-B14F-4D97-AF65-F5344CB8AC3E}">
-        <p14:creationId xmlns:p14="http://schemas.microsoft.com/office/powerpoint/2010/main" val="2869427478"/>
+        <p14:creationId xmlns:p14="http://schemas.microsoft.com/office/powerpoint/2010/main" val="600384"/>
       </p:ext>
     </p:extLst>
   </p:cSld>
@@ -4615,50 +4611,54 @@
           <a:lstStyle/>
           <a:p>
             <a:r>
-              <a:rPr lang="de-CH" sz="1700"/>
-              <a:t>Projekt einleitung</a:t>
-            </a:r>
-          </a:p>
-          <a:p>
-            <a:r>
-              <a:rPr lang="de-CH" sz="1700"/>
-              <a:t>Projekt Managment</a:t>
-            </a:r>
-          </a:p>
-          <a:p>
-            <a:r>
-              <a:rPr lang="de-CH" sz="1700"/>
+              <a:rPr lang="de-CH" sz="1700" dirty="0"/>
+              <a:t>Projekt </a:t>
+            </a:r>
+            <a:r>
+              <a:rPr lang="de-CH" sz="1700" dirty="0" err="1"/>
+              <a:t>einleitung</a:t>
+            </a:r>
+            <a:endParaRPr lang="de-CH" sz="1700" dirty="0"/>
+          </a:p>
+          <a:p>
+            <a:r>
+              <a:rPr lang="de-CH" sz="1700" dirty="0"/>
+              <a:t>Projekt </a:t>
+            </a:r>
+            <a:r>
+              <a:rPr lang="de-CH" sz="1700" dirty="0" err="1"/>
+              <a:t>Managment</a:t>
+            </a:r>
+            <a:endParaRPr lang="de-CH" sz="1700" dirty="0"/>
+          </a:p>
+          <a:p>
+            <a:r>
+              <a:rPr lang="de-CH" sz="1700" dirty="0"/>
               <a:t>Index Seite</a:t>
             </a:r>
           </a:p>
           <a:p>
             <a:r>
-              <a:rPr lang="de-CH" sz="1700"/>
+              <a:rPr lang="de-CH" sz="1700" dirty="0"/>
               <a:t>Kontakt Seite</a:t>
             </a:r>
           </a:p>
           <a:p>
             <a:r>
-              <a:rPr lang="de-CH" sz="1700"/>
+              <a:rPr lang="de-CH" sz="1700" dirty="0"/>
               <a:t>Online Anmeldung</a:t>
             </a:r>
           </a:p>
           <a:p>
             <a:r>
-              <a:rPr lang="de-CH" sz="1700"/>
+              <a:rPr lang="de-CH" sz="1700" dirty="0"/>
               <a:t>Technische Umsetzung</a:t>
             </a:r>
           </a:p>
           <a:p>
             <a:r>
-              <a:rPr lang="de-CH" sz="1700"/>
+              <a:rPr lang="de-CH" sz="1700" dirty="0"/>
               <a:t>Testphase</a:t>
-            </a:r>
-          </a:p>
-          <a:p>
-            <a:r>
-              <a:rPr lang="de-CH" sz="1700"/>
-              <a:t>Fazit</a:t>
             </a:r>
           </a:p>
           <a:p>
@@ -4666,7 +4666,13 @@
               <a:rPr lang="de-CH" sz="1700"/>
               <a:t>Live Demo</a:t>
             </a:r>
-            <a:endParaRPr lang="LID4096" sz="1700"/>
+            <a:endParaRPr lang="de-CH" sz="1700" dirty="0"/>
+          </a:p>
+          <a:p>
+            <a:r>
+              <a:rPr lang="de-CH" sz="1700" dirty="0"/>
+              <a:t>Fazit</a:t>
+            </a:r>
           </a:p>
         </p:txBody>
       </p:sp>
@@ -7879,12 +7885,11 @@
 </file>
 
 <file path=customXml/item1.xml><?xml version="1.0" encoding="utf-8"?>
-<?mso-contentType ?>
-<FormTemplates xmlns="http://schemas.microsoft.com/sharepoint/v3/contenttype/forms">
-  <Display>DocumentLibraryForm</Display>
-  <Edit>DocumentLibraryForm</Edit>
-  <New>DocumentLibraryForm</New>
-</FormTemplates>
+<p:properties xmlns:p="http://schemas.microsoft.com/office/2006/metadata/properties" xmlns:xsi="http://www.w3.org/2001/XMLSchema-instance" xmlns:pc="http://schemas.microsoft.com/office/infopath/2007/PartnerControls">
+  <documentManagement>
+    <_activity xmlns="14e98ad5-8fe3-41bd-b1b7-28743f00834a" xsi:nil="true"/>
+  </documentManagement>
+</p:properties>
 </file>
 
 <file path=customXml/item2.xml><?xml version="1.0" encoding="utf-8"?>
@@ -8109,17 +8114,27 @@
 </file>
 
 <file path=customXml/item3.xml><?xml version="1.0" encoding="utf-8"?>
-<p:properties xmlns:p="http://schemas.microsoft.com/office/2006/metadata/properties" xmlns:xsi="http://www.w3.org/2001/XMLSchema-instance" xmlns:pc="http://schemas.microsoft.com/office/infopath/2007/PartnerControls">
-  <documentManagement>
-    <_activity xmlns="14e98ad5-8fe3-41bd-b1b7-28743f00834a" xsi:nil="true"/>
-  </documentManagement>
-</p:properties>
+<?mso-contentType ?>
+<FormTemplates xmlns="http://schemas.microsoft.com/sharepoint/v3/contenttype/forms">
+  <Display>DocumentLibraryForm</Display>
+  <Edit>DocumentLibraryForm</Edit>
+  <New>DocumentLibraryForm</New>
+</FormTemplates>
 </file>
 
 <file path=customXml/itemProps1.xml><?xml version="1.0" encoding="utf-8"?>
-<ds:datastoreItem xmlns:ds="http://schemas.openxmlformats.org/officeDocument/2006/customXml" ds:itemID="{D822ED2E-4C08-4BC3-8ED1-C4341C7AECF3}">
+<ds:datastoreItem xmlns:ds="http://schemas.openxmlformats.org/officeDocument/2006/customXml" ds:itemID="{94147982-31AE-4D2D-A66C-F6090E4C2313}">
   <ds:schemaRefs>
-    <ds:schemaRef ds:uri="http://schemas.microsoft.com/sharepoint/v3/contenttype/forms"/>
+    <ds:schemaRef ds:uri="http://www.w3.org/XML/1998/namespace"/>
+    <ds:schemaRef ds:uri="http://purl.org/dc/elements/1.1/"/>
+    <ds:schemaRef ds:uri="http://purl.org/dc/terms/"/>
+    <ds:schemaRef ds:uri="0e797807-4541-49de-91cc-512e71c1aceb"/>
+    <ds:schemaRef ds:uri="http://schemas.microsoft.com/office/2006/documentManagement/types"/>
+    <ds:schemaRef ds:uri="http://schemas.microsoft.com/office/2006/metadata/properties"/>
+    <ds:schemaRef ds:uri="http://schemas.microsoft.com/office/infopath/2007/PartnerControls"/>
+    <ds:schemaRef ds:uri="http://schemas.openxmlformats.org/package/2006/metadata/core-properties"/>
+    <ds:schemaRef ds:uri="14e98ad5-8fe3-41bd-b1b7-28743f00834a"/>
+    <ds:schemaRef ds:uri="http://purl.org/dc/dcmitype/"/>
   </ds:schemaRefs>
 </ds:datastoreItem>
 </file>
@@ -8144,18 +8159,9 @@
 </file>
 
 <file path=customXml/itemProps3.xml><?xml version="1.0" encoding="utf-8"?>
-<ds:datastoreItem xmlns:ds="http://schemas.openxmlformats.org/officeDocument/2006/customXml" ds:itemID="{94147982-31AE-4D2D-A66C-F6090E4C2313}">
+<ds:datastoreItem xmlns:ds="http://schemas.openxmlformats.org/officeDocument/2006/customXml" ds:itemID="{D822ED2E-4C08-4BC3-8ED1-C4341C7AECF3}">
   <ds:schemaRefs>
-    <ds:schemaRef ds:uri="http://www.w3.org/XML/1998/namespace"/>
-    <ds:schemaRef ds:uri="http://purl.org/dc/elements/1.1/"/>
-    <ds:schemaRef ds:uri="http://purl.org/dc/terms/"/>
-    <ds:schemaRef ds:uri="0e797807-4541-49de-91cc-512e71c1aceb"/>
-    <ds:schemaRef ds:uri="http://schemas.microsoft.com/office/2006/documentManagement/types"/>
-    <ds:schemaRef ds:uri="http://schemas.microsoft.com/office/2006/metadata/properties"/>
-    <ds:schemaRef ds:uri="http://schemas.microsoft.com/office/infopath/2007/PartnerControls"/>
-    <ds:schemaRef ds:uri="http://schemas.openxmlformats.org/package/2006/metadata/core-properties"/>
-    <ds:schemaRef ds:uri="14e98ad5-8fe3-41bd-b1b7-28743f00834a"/>
-    <ds:schemaRef ds:uri="http://purl.org/dc/dcmitype/"/>
+    <ds:schemaRef ds:uri="http://schemas.microsoft.com/sharepoint/v3/contenttype/forms"/>
   </ds:schemaRefs>
 </ds:datastoreItem>
 </file>